--- a/BlogProject/TeamProject[블로그].pptx
+++ b/BlogProject/TeamProject[블로그].pptx
@@ -8,30 +8,13 @@
     <p:sldId id="256" r:id="rId2"/>
     <p:sldId id="259" r:id="rId3"/>
     <p:sldId id="262" r:id="rId4"/>
-    <p:sldId id="260" r:id="rId5"/>
-    <p:sldId id="261" r:id="rId6"/>
+    <p:sldId id="263" r:id="rId5"/>
+    <p:sldId id="264" r:id="rId6"/>
+    <p:sldId id="260" r:id="rId7"/>
+    <p:sldId id="261" r:id="rId8"/>
   </p:sldIdLst>
   <p:sldSz cx="9144000" cy="6858000" type="screen4x3"/>
   <p:notesSz cx="6858000" cy="9144000"/>
-  <p:embeddedFontLst>
-    <p:embeddedFont>
-      <p:font typeface="나눔손글씨 붓" charset="-127"/>
-      <p:regular r:id="rId7"/>
-    </p:embeddedFont>
-    <p:embeddedFont>
-      <p:font typeface="Algerian" charset="0"/>
-      <p:regular r:id="rId8"/>
-    </p:embeddedFont>
-    <p:embeddedFont>
-      <p:font typeface="맑은 고딕" pitchFamily="50" charset="-127"/>
-      <p:regular r:id="rId9"/>
-      <p:bold r:id="rId10"/>
-    </p:embeddedFont>
-    <p:embeddedFont>
-      <p:font typeface="HY헤드라인M" pitchFamily="18" charset="-127"/>
-      <p:regular r:id="rId11"/>
-    </p:embeddedFont>
-  </p:embeddedFontLst>
   <p:defaultTextStyle>
     <a:defPPr>
       <a:defRPr lang="ko-KR"/>
@@ -378,7 +361,7 @@
     </p:spTree>
     <p:extLst>
       <p:ext uri="{BB962C8B-B14F-4D97-AF65-F5344CB8AC3E}">
-        <p14:creationId xmlns:p14="http://schemas.microsoft.com/office/powerpoint/2010/main" xmlns="" val="3119317836"/>
+        <p14:creationId xmlns:p14="http://schemas.microsoft.com/office/powerpoint/2010/main" val="3119317836"/>
       </p:ext>
     </p:extLst>
   </p:cSld>
@@ -560,7 +543,7 @@
     </p:spTree>
     <p:extLst>
       <p:ext uri="{BB962C8B-B14F-4D97-AF65-F5344CB8AC3E}">
-        <p14:creationId xmlns:p14="http://schemas.microsoft.com/office/powerpoint/2010/main" xmlns="" val="3680353098"/>
+        <p14:creationId xmlns:p14="http://schemas.microsoft.com/office/powerpoint/2010/main" val="3680353098"/>
       </p:ext>
     </p:extLst>
   </p:cSld>
@@ -746,7 +729,7 @@
     </p:spTree>
     <p:extLst>
       <p:ext uri="{BB962C8B-B14F-4D97-AF65-F5344CB8AC3E}">
-        <p14:creationId xmlns:p14="http://schemas.microsoft.com/office/powerpoint/2010/main" xmlns="" val="2908967195"/>
+        <p14:creationId xmlns:p14="http://schemas.microsoft.com/office/powerpoint/2010/main" val="2908967195"/>
       </p:ext>
     </p:extLst>
   </p:cSld>
@@ -857,7 +840,7 @@
     </p:spTree>
     <p:extLst>
       <p:ext uri="{BB962C8B-B14F-4D97-AF65-F5344CB8AC3E}">
-        <p14:creationId xmlns:p14="http://schemas.microsoft.com/office/powerpoint/2010/main" xmlns="" val="961037047"/>
+        <p14:creationId xmlns:p14="http://schemas.microsoft.com/office/powerpoint/2010/main" val="961037047"/>
       </p:ext>
     </p:extLst>
   </p:cSld>
@@ -1021,7 +1004,7 @@
     </p:spTree>
     <p:extLst>
       <p:ext uri="{BB962C8B-B14F-4D97-AF65-F5344CB8AC3E}">
-        <p14:creationId xmlns:p14="http://schemas.microsoft.com/office/powerpoint/2010/main" xmlns="" val="4180772886"/>
+        <p14:creationId xmlns:p14="http://schemas.microsoft.com/office/powerpoint/2010/main" val="4180772886"/>
       </p:ext>
     </p:extLst>
   </p:cSld>
@@ -1132,7 +1115,7 @@
     </p:spTree>
     <p:extLst>
       <p:ext uri="{BB962C8B-B14F-4D97-AF65-F5344CB8AC3E}">
-        <p14:creationId xmlns:p14="http://schemas.microsoft.com/office/powerpoint/2010/main" xmlns="" val="900831082"/>
+        <p14:creationId xmlns:p14="http://schemas.microsoft.com/office/powerpoint/2010/main" val="900831082"/>
       </p:ext>
     </p:extLst>
   </p:cSld>
@@ -1243,7 +1226,7 @@
     </p:spTree>
     <p:extLst>
       <p:ext uri="{BB962C8B-B14F-4D97-AF65-F5344CB8AC3E}">
-        <p14:creationId xmlns:p14="http://schemas.microsoft.com/office/powerpoint/2010/main" xmlns="" val="2740772188"/>
+        <p14:creationId xmlns:p14="http://schemas.microsoft.com/office/powerpoint/2010/main" val="2740772188"/>
       </p:ext>
     </p:extLst>
   </p:cSld>
@@ -1522,7 +1505,7 @@
     </p:spTree>
     <p:extLst>
       <p:ext uri="{BB962C8B-B14F-4D97-AF65-F5344CB8AC3E}">
-        <p14:creationId xmlns:p14="http://schemas.microsoft.com/office/powerpoint/2010/main" xmlns="" val="2381643737"/>
+        <p14:creationId xmlns:p14="http://schemas.microsoft.com/office/powerpoint/2010/main" val="2381643737"/>
       </p:ext>
     </p:extLst>
   </p:cSld>
@@ -1777,7 +1760,7 @@
     </p:spTree>
     <p:extLst>
       <p:ext uri="{BB962C8B-B14F-4D97-AF65-F5344CB8AC3E}">
-        <p14:creationId xmlns:p14="http://schemas.microsoft.com/office/powerpoint/2010/main" xmlns="" val="2887332897"/>
+        <p14:creationId xmlns:p14="http://schemas.microsoft.com/office/powerpoint/2010/main" val="2887332897"/>
       </p:ext>
     </p:extLst>
   </p:cSld>
@@ -1949,7 +1932,7 @@
     </p:spTree>
     <p:extLst>
       <p:ext uri="{BB962C8B-B14F-4D97-AF65-F5344CB8AC3E}">
-        <p14:creationId xmlns:p14="http://schemas.microsoft.com/office/powerpoint/2010/main" xmlns="" val="23014749"/>
+        <p14:creationId xmlns:p14="http://schemas.microsoft.com/office/powerpoint/2010/main" val="23014749"/>
       </p:ext>
     </p:extLst>
   </p:cSld>
@@ -2200,7 +2183,7 @@
     </p:spTree>
     <p:extLst>
       <p:ext uri="{BB962C8B-B14F-4D97-AF65-F5344CB8AC3E}">
-        <p14:creationId xmlns:p14="http://schemas.microsoft.com/office/powerpoint/2010/main" xmlns="" val="2757159126"/>
+        <p14:creationId xmlns:p14="http://schemas.microsoft.com/office/powerpoint/2010/main" val="2757159126"/>
       </p:ext>
     </p:extLst>
   </p:cSld>
@@ -2677,7 +2660,41 @@
                 <a:latin typeface="나눔손글씨 붓" pitchFamily="66" charset="-127"/>
                 <a:ea typeface="나눔손글씨 붓" pitchFamily="66" charset="-127"/>
               </a:rPr>
-              <a:t>            Blog </a:t>
+              <a:t>            </a:t>
+            </a:r>
+            <a:r>
+              <a:rPr lang="en-US" altLang="ko-KR" sz="3600" b="1" dirty="0" smtClean="0">
+                <a:solidFill>
+                  <a:srgbClr val="DB0000"/>
+                </a:solidFill>
+                <a:effectLst>
+                  <a:outerShdw blurRad="38100" dist="38100" dir="2700000" algn="tl">
+                    <a:srgbClr val="000000">
+                      <a:alpha val="43137"/>
+                    </a:srgbClr>
+                  </a:outerShdw>
+                </a:effectLst>
+                <a:latin typeface="Algerian" panose="04020705040A02060702" pitchFamily="82" charset="0"/>
+                <a:ea typeface="나눔손글씨 붓" pitchFamily="66" charset="-127"/>
+              </a:rPr>
+              <a:t>Blog</a:t>
+            </a:r>
+            <a:r>
+              <a:rPr lang="en-US" altLang="ko-KR" sz="3600" b="1" dirty="0" smtClean="0">
+                <a:solidFill>
+                  <a:srgbClr val="DB0000"/>
+                </a:solidFill>
+                <a:effectLst>
+                  <a:outerShdw blurRad="38100" dist="38100" dir="2700000" algn="tl">
+                    <a:srgbClr val="000000">
+                      <a:alpha val="43137"/>
+                    </a:srgbClr>
+                  </a:outerShdw>
+                </a:effectLst>
+                <a:latin typeface="나눔손글씨 붓" pitchFamily="66" charset="-127"/>
+                <a:ea typeface="나눔손글씨 붓" pitchFamily="66" charset="-127"/>
+              </a:rPr>
+              <a:t> </a:t>
             </a:r>
           </a:p>
           <a:p>
@@ -2836,7 +2853,7 @@
         <p:spPr>
           <a:xfrm>
             <a:off x="2133196" y="3140967"/>
-            <a:ext cx="6647209" cy="954107"/>
+            <a:ext cx="6647209" cy="1384995"/>
           </a:xfrm>
           <a:prstGeom prst="rect">
             <a:avLst/>
@@ -2849,6 +2866,17 @@
           </a:bodyPr>
           <a:lstStyle/>
           <a:p>
+            <a:endParaRPr lang="en-US" altLang="ko-KR" sz="2800" dirty="0" smtClean="0">
+              <a:solidFill>
+                <a:schemeClr val="bg1">
+                  <a:lumMod val="95000"/>
+                </a:schemeClr>
+              </a:solidFill>
+              <a:latin typeface="Algerian" panose="04020705040A02060702" pitchFamily="82" charset="0"/>
+            </a:endParaRPr>
+          </a:p>
+          <a:p>
+            <a:pPr algn="ctr"/>
             <a:r>
               <a:rPr lang="en-US" altLang="ko-KR" sz="2800" dirty="0" smtClean="0">
                 <a:solidFill>
@@ -2926,7 +2954,7 @@
               </a:rPr>
               <a:t>이슬</a:t>
             </a:r>
-            <a:endParaRPr lang="en-US" altLang="ko-KR" sz="2800" dirty="0" smtClean="0">
+            <a:endParaRPr lang="en-US" altLang="ko-KR" sz="2800" dirty="0">
               <a:solidFill>
                 <a:schemeClr val="bg1">
                   <a:lumMod val="95000"/>
@@ -2936,6 +2964,7 @@
             </a:endParaRPr>
           </a:p>
           <a:p>
+            <a:pPr algn="ctr"/>
             <a:r>
               <a:rPr lang="en-US" altLang="ko-KR" sz="2800" dirty="0" smtClean="0">
                 <a:solidFill>
@@ -2994,7 +3023,7 @@
     </p:spTree>
     <p:extLst>
       <p:ext uri="{BB962C8B-B14F-4D97-AF65-F5344CB8AC3E}">
-        <p14:creationId xmlns:p14="http://schemas.microsoft.com/office/powerpoint/2010/main" xmlns="" val="2728434211"/>
+        <p14:creationId xmlns:p14="http://schemas.microsoft.com/office/powerpoint/2010/main" val="2728434211"/>
       </p:ext>
     </p:extLst>
   </p:cSld>
@@ -3882,7 +3911,7 @@
               <a:t>Table </a:t>
             </a:r>
             <a:r>
-              <a:rPr altLang="en-US" sz="4400" smtClean="0">
+              <a:rPr altLang="en-US" sz="4400" dirty="0" smtClean="0">
                 <a:solidFill>
                   <a:srgbClr val="000066"/>
                 </a:solidFill>
@@ -3978,7 +4007,7 @@
           <a:p>
             <a:pPr algn="l"/>
             <a:r>
-              <a:rPr altLang="en-US" sz="4400" smtClean="0">
+              <a:rPr altLang="en-US" sz="4400" dirty="0" err="1" smtClean="0">
                 <a:solidFill>
                   <a:srgbClr val="000066"/>
                 </a:solidFill>
@@ -3988,7 +4017,20 @@
                 <a:latin typeface="HY헤드라인M" pitchFamily="18" charset="-127"/>
                 <a:ea typeface="HY헤드라인M" pitchFamily="18" charset="-127"/>
               </a:rPr>
-              <a:t>비동기 처리</a:t>
+              <a:t>비동기</a:t>
+            </a:r>
+            <a:r>
+              <a:rPr altLang="en-US" sz="4400" dirty="0" smtClean="0">
+                <a:solidFill>
+                  <a:srgbClr val="000066"/>
+                </a:solidFill>
+                <a:effectLst>
+                  <a:reflection blurRad="6350" stA="55000" endA="300" endPos="45500" dir="5400000" sy="-100000" algn="bl" rotWithShape="0"/>
+                </a:effectLst>
+                <a:latin typeface="HY헤드라인M" pitchFamily="18" charset="-127"/>
+                <a:ea typeface="HY헤드라인M" pitchFamily="18" charset="-127"/>
+              </a:rPr>
+              <a:t> 처리</a:t>
             </a:r>
             <a:endParaRPr lang="ko-KR" altLang="en-US" sz="4400" dirty="0" smtClean="0">
               <a:solidFill>
@@ -4278,6 +4320,188 @@
           <a:chExt cx="0" cy="0"/>
         </a:xfrm>
       </p:grpSpPr>
+      <p:pic>
+        <p:nvPicPr>
+          <p:cNvPr id="2" name="Picture 2"/>
+          <p:cNvPicPr>
+            <a:picLocks noChangeAspect="1" noChangeArrowheads="1"/>
+          </p:cNvPicPr>
+          <p:nvPr/>
+        </p:nvPicPr>
+        <p:blipFill>
+          <a:blip r:embed="rId2">
+            <a:extLst>
+              <a:ext uri="{28A0092B-C50C-407E-A947-70E740481C1C}">
+                <a14:useLocalDpi xmlns:a14="http://schemas.microsoft.com/office/drawing/2010/main" val="0"/>
+              </a:ext>
+            </a:extLst>
+          </a:blip>
+          <a:srcRect/>
+          <a:stretch>
+            <a:fillRect/>
+          </a:stretch>
+        </p:blipFill>
+        <p:spPr bwMode="auto">
+          <a:xfrm>
+            <a:off x="0" y="908721"/>
+            <a:ext cx="9144000" cy="5634954"/>
+          </a:xfrm>
+          <a:prstGeom prst="rect">
+            <a:avLst/>
+          </a:prstGeom>
+          <a:noFill/>
+          <a:ln>
+            <a:noFill/>
+          </a:ln>
+          <a:extLst>
+            <a:ext uri="{909E8E84-426E-40DD-AFC4-6F175D3DCCD1}">
+              <a14:hiddenFill xmlns:a14="http://schemas.microsoft.com/office/drawing/2010/main">
+                <a:solidFill>
+                  <a:schemeClr val="accent1"/>
+                </a:solidFill>
+              </a14:hiddenFill>
+            </a:ext>
+            <a:ext uri="{91240B29-F687-4F45-9708-019B960494DF}">
+              <a14:hiddenLine xmlns:a14="http://schemas.microsoft.com/office/drawing/2010/main" w="9525">
+                <a:solidFill>
+                  <a:schemeClr val="tx1"/>
+                </a:solidFill>
+                <a:miter lim="800000"/>
+                <a:headEnd/>
+                <a:tailEnd/>
+              </a14:hiddenLine>
+            </a:ext>
+          </a:extLst>
+        </p:spPr>
+      </p:pic>
+    </p:spTree>
+    <p:extLst>
+      <p:ext uri="{BB962C8B-B14F-4D97-AF65-F5344CB8AC3E}">
+        <p14:creationId xmlns:p14="http://schemas.microsoft.com/office/powerpoint/2010/main" val="599390186"/>
+      </p:ext>
+    </p:extLst>
+  </p:cSld>
+  <p:clrMapOvr>
+    <a:masterClrMapping/>
+  </p:clrMapOvr>
+  <p:timing>
+    <p:tnLst>
+      <p:par>
+        <p:cTn id="1" dur="indefinite" restart="never" nodeType="tmRoot"/>
+      </p:par>
+    </p:tnLst>
+  </p:timing>
+</p:sld>
+</file>
+
+<file path=ppt/slides/slide5.xml><?xml version="1.0" encoding="utf-8"?>
+<p:sld xmlns:a="http://schemas.openxmlformats.org/drawingml/2006/main" xmlns:r="http://schemas.openxmlformats.org/officeDocument/2006/relationships" xmlns:p="http://schemas.openxmlformats.org/presentationml/2006/main">
+  <p:cSld>
+    <p:spTree>
+      <p:nvGrpSpPr>
+        <p:cNvPr id="1" name=""/>
+        <p:cNvGrpSpPr/>
+        <p:nvPr/>
+      </p:nvGrpSpPr>
+      <p:grpSpPr>
+        <a:xfrm>
+          <a:off x="0" y="0"/>
+          <a:ext cx="0" cy="0"/>
+          <a:chOff x="0" y="0"/>
+          <a:chExt cx="0" cy="0"/>
+        </a:xfrm>
+      </p:grpSpPr>
+      <p:pic>
+        <p:nvPicPr>
+          <p:cNvPr id="2050" name="Picture 2"/>
+          <p:cNvPicPr>
+            <a:picLocks noChangeAspect="1" noChangeArrowheads="1"/>
+          </p:cNvPicPr>
+          <p:nvPr/>
+        </p:nvPicPr>
+        <p:blipFill>
+          <a:blip r:embed="rId2">
+            <a:extLst>
+              <a:ext uri="{28A0092B-C50C-407E-A947-70E740481C1C}">
+                <a14:useLocalDpi xmlns:a14="http://schemas.microsoft.com/office/drawing/2010/main" val="0"/>
+              </a:ext>
+            </a:extLst>
+          </a:blip>
+          <a:srcRect/>
+          <a:stretch>
+            <a:fillRect/>
+          </a:stretch>
+        </p:blipFill>
+        <p:spPr bwMode="auto">
+          <a:xfrm>
+            <a:off x="1" y="980728"/>
+            <a:ext cx="9144000" cy="5472608"/>
+          </a:xfrm>
+          <a:prstGeom prst="rect">
+            <a:avLst/>
+          </a:prstGeom>
+          <a:noFill/>
+          <a:ln>
+            <a:noFill/>
+          </a:ln>
+          <a:extLst>
+            <a:ext uri="{909E8E84-426E-40DD-AFC4-6F175D3DCCD1}">
+              <a14:hiddenFill xmlns:a14="http://schemas.microsoft.com/office/drawing/2010/main">
+                <a:solidFill>
+                  <a:schemeClr val="accent1"/>
+                </a:solidFill>
+              </a14:hiddenFill>
+            </a:ext>
+            <a:ext uri="{91240B29-F687-4F45-9708-019B960494DF}">
+              <a14:hiddenLine xmlns:a14="http://schemas.microsoft.com/office/drawing/2010/main" w="9525">
+                <a:solidFill>
+                  <a:schemeClr val="tx1"/>
+                </a:solidFill>
+                <a:miter lim="800000"/>
+                <a:headEnd/>
+                <a:tailEnd/>
+              </a14:hiddenLine>
+            </a:ext>
+          </a:extLst>
+        </p:spPr>
+      </p:pic>
+    </p:spTree>
+    <p:extLst>
+      <p:ext uri="{BB962C8B-B14F-4D97-AF65-F5344CB8AC3E}">
+        <p14:creationId xmlns:p14="http://schemas.microsoft.com/office/powerpoint/2010/main" val="1516528144"/>
+      </p:ext>
+    </p:extLst>
+  </p:cSld>
+  <p:clrMapOvr>
+    <a:masterClrMapping/>
+  </p:clrMapOvr>
+  <p:timing>
+    <p:tnLst>
+      <p:par>
+        <p:cTn id="1" dur="indefinite" restart="never" nodeType="tmRoot"/>
+      </p:par>
+    </p:tnLst>
+  </p:timing>
+</p:sld>
+</file>
+
+<file path=ppt/slides/slide6.xml><?xml version="1.0" encoding="utf-8"?>
+<p:sld xmlns:a="http://schemas.openxmlformats.org/drawingml/2006/main" xmlns:r="http://schemas.openxmlformats.org/officeDocument/2006/relationships" xmlns:p="http://schemas.openxmlformats.org/presentationml/2006/main">
+  <p:cSld>
+    <p:spTree>
+      <p:nvGrpSpPr>
+        <p:cNvPr id="1" name=""/>
+        <p:cNvGrpSpPr/>
+        <p:nvPr/>
+      </p:nvGrpSpPr>
+      <p:grpSpPr>
+        <a:xfrm>
+          <a:off x="0" y="0"/>
+          <a:ext cx="0" cy="0"/>
+          <a:chOff x="0" y="0"/>
+          <a:chExt cx="0" cy="0"/>
+        </a:xfrm>
+      </p:grpSpPr>
       <p:sp>
         <p:nvSpPr>
           <p:cNvPr id="5" name="내용 개체 틀 5"/>
@@ -4347,16 +4571,16 @@
             <a:pPr algn="l"/>
             <a:r>
               <a:rPr lang="en-US" altLang="ko-KR" b="1" dirty="0" smtClean="0">
-                <a:latin typeface="나눔손글씨 붓" pitchFamily="66" charset="-127"/>
-                <a:ea typeface="나눔손글씨 붓" pitchFamily="66" charset="-127"/>
+                <a:latin typeface="궁서" panose="02030600000101010101" pitchFamily="18" charset="-127"/>
+                <a:ea typeface="궁서" panose="02030600000101010101" pitchFamily="18" charset="-127"/>
                 <a:cs typeface="+mn-cs"/>
               </a:rPr>
               <a:t>About Blog Project..</a:t>
             </a:r>
             <a:endParaRPr lang="ko-KR" altLang="en-US" b="1" dirty="0">
               <a:effectLst/>
-              <a:latin typeface="나눔손글씨 붓" pitchFamily="66" charset="-127"/>
-              <a:ea typeface="나눔손글씨 붓" pitchFamily="66" charset="-127"/>
+              <a:latin typeface="궁서" panose="02030600000101010101" pitchFamily="18" charset="-127"/>
+              <a:ea typeface="궁서" panose="02030600000101010101" pitchFamily="18" charset="-127"/>
               <a:cs typeface="+mn-cs"/>
             </a:endParaRPr>
           </a:p>
@@ -4635,10 +4859,17 @@
   <p:clrMapOvr>
     <a:masterClrMapping/>
   </p:clrMapOvr>
+  <p:timing>
+    <p:tnLst>
+      <p:par>
+        <p:cTn id="1" dur="indefinite" restart="never" nodeType="tmRoot"/>
+      </p:par>
+    </p:tnLst>
+  </p:timing>
 </p:sld>
 </file>
 
-<file path=ppt/slides/slide5.xml><?xml version="1.0" encoding="utf-8"?>
+<file path=ppt/slides/slide7.xml><?xml version="1.0" encoding="utf-8"?>
 <p:sld xmlns:a="http://schemas.openxmlformats.org/drawingml/2006/main" xmlns:r="http://schemas.openxmlformats.org/officeDocument/2006/relationships" xmlns:p="http://schemas.openxmlformats.org/presentationml/2006/main">
   <p:cSld>
     <p:bg>
